--- a/material/PPT Tubes AI & Big Data_Kelompok 2.pptx
+++ b/material/PPT Tubes AI & Big Data_Kelompok 2.pptx
@@ -31,12 +31,16 @@
       <p:regular r:id="rId20"/>
     </p:embeddedFont>
     <p:embeddedFont>
-      <p:font typeface="Tabarra Sans" charset="1" panose="00000000000000000000"/>
+      <p:font typeface="Tabarra Sans Bold" charset="1" panose="00000000000000000000"/>
       <p:regular r:id="rId21"/>
     </p:embeddedFont>
     <p:embeddedFont>
-      <p:font typeface="Tabarra Sans Bold" charset="1" panose="00000000000000000000"/>
+      <p:font typeface="Tabarra Sans" charset="1" panose="00000000000000000000"/>
       <p:regular r:id="rId22"/>
+    </p:embeddedFont>
+    <p:embeddedFont>
+      <p:font typeface="Tabarra Sans Italics" charset="1" panose="00000000000000000000"/>
+      <p:regular r:id="rId26"/>
     </p:embeddedFont>
   </p:embeddedFontLst>
   <p:defaultTextStyle>
@@ -6098,7 +6102,7 @@
                 </a:solidFill>
                 <a:latin typeface="Tabarra Sans Heavy"/>
               </a:rPr>
-              <a:t>Prediction of Bitcoin USD using Time Series Forecasting LSTM</a:t>
+              <a:t>Bitcoin USD prediction using Time Series Forecasting LSTM</a:t>
             </a:r>
           </a:p>
         </p:txBody>
@@ -6111,7 +6115,7 @@
         </p:nvSpPr>
         <p:spPr>
           <a:xfrm rot="0">
-            <a:off x="2154698" y="8552643"/>
+            <a:off x="2154698" y="6966933"/>
             <a:ext cx="3495749" cy="469900"/>
           </a:xfrm>
           <a:prstGeom prst="rect">
@@ -6137,7 +6141,7 @@
                 <a:solidFill>
                   <a:srgbClr val="21488A"/>
                 </a:solidFill>
-                <a:latin typeface="Tabarra Sans"/>
+                <a:latin typeface="Tabarra Sans Bold"/>
               </a:rPr>
               <a:t>KELOMPOK 2</a:t>
             </a:r>
@@ -6152,7 +6156,7 @@
         </p:nvSpPr>
         <p:spPr>
           <a:xfrm rot="0">
-            <a:off x="1028700" y="8552643"/>
+            <a:off x="1028700" y="6966933"/>
             <a:ext cx="994191" cy="469900"/>
           </a:xfrm>
           <a:prstGeom prst="rect">
@@ -6223,6 +6227,86 @@
               </a:rPr>
               <a:t>AI &amp; BIG DATA </a:t>
             </a:r>
+          </a:p>
+        </p:txBody>
+      </p:sp>
+      <p:sp>
+        <p:nvSpPr>
+          <p:cNvPr name="TextBox 8" id="8"/>
+          <p:cNvSpPr txBox="true"/>
+          <p:nvPr/>
+        </p:nvSpPr>
+        <p:spPr>
+          <a:xfrm rot="0">
+            <a:off x="1028700" y="7473950"/>
+            <a:ext cx="7095312" cy="1784350"/>
+          </a:xfrm>
+          <a:prstGeom prst="rect">
+            <a:avLst/>
+          </a:prstGeom>
+        </p:spPr>
+        <p:txBody>
+          <a:bodyPr anchor="t" rtlCol="false" tIns="0" lIns="0" bIns="0" rIns="0">
+            <a:spAutoFit/>
+          </a:bodyPr>
+          <a:lstStyle/>
+          <a:p>
+            <a:pPr algn="l">
+              <a:lnSpc>
+                <a:spcPts val="3499"/>
+              </a:lnSpc>
+            </a:pPr>
+            <a:r>
+              <a:rPr lang="en-US" sz="2499">
+                <a:solidFill>
+                  <a:srgbClr val="21488A"/>
+                </a:solidFill>
+                <a:latin typeface="Tabarra Sans"/>
+              </a:rPr>
+              <a:t>ALDIRA FADHILAH LAZUARDI - 1101200372</a:t>
+            </a:r>
+          </a:p>
+          <a:p>
+            <a:pPr algn="l">
+              <a:lnSpc>
+                <a:spcPts val="3499"/>
+              </a:lnSpc>
+            </a:pPr>
+            <a:r>
+              <a:rPr lang="en-US" sz="2499">
+                <a:solidFill>
+                  <a:srgbClr val="21488A"/>
+                </a:solidFill>
+                <a:latin typeface="Tabarra Sans"/>
+              </a:rPr>
+              <a:t>MARSHANISWAH SYAMSUL - 1101210153</a:t>
+            </a:r>
+          </a:p>
+          <a:p>
+            <a:pPr algn="l">
+              <a:lnSpc>
+                <a:spcPts val="3499"/>
+              </a:lnSpc>
+            </a:pPr>
+            <a:r>
+              <a:rPr lang="en-US" sz="2499">
+                <a:solidFill>
+                  <a:srgbClr val="21488A"/>
+                </a:solidFill>
+                <a:latin typeface="Tabarra Sans"/>
+              </a:rPr>
+              <a:t>SADAM AL RASYID - 1101210112</a:t>
+            </a:r>
+          </a:p>
+          <a:p>
+            <a:pPr algn="l" marL="0" indent="0" lvl="0">
+              <a:lnSpc>
+                <a:spcPts val="3499"/>
+              </a:lnSpc>
+              <a:spcBef>
+                <a:spcPct val="0"/>
+              </a:spcBef>
+            </a:pPr>
           </a:p>
         </p:txBody>
       </p:sp>
@@ -6422,7 +6506,7 @@
                 </a:solidFill>
                 <a:latin typeface="Tabarra Sans"/>
               </a:rPr>
-              <a:t>Tain dan Test data untuk evaluasi</a:t>
+              <a:t>Train dan Test data untuk evaluasi</a:t>
             </a:r>
           </a:p>
         </p:txBody>
@@ -6460,7 +6544,7 @@
                 </a:solidFill>
                 <a:latin typeface="Tabarra Sans"/>
               </a:rPr>
-              <a:t>RMSE: 797.1945142898319 </a:t>
+              <a:t>RMSE: 547.5638620351776  </a:t>
             </a:r>
           </a:p>
           <a:p>
@@ -6476,7 +6560,7 @@
                 </a:solidFill>
                 <a:latin typeface="Tabarra Sans"/>
               </a:rPr>
-              <a:t>MSE: 635519.093613801 </a:t>
+              <a:t>MSE: 299826.18300687906 </a:t>
             </a:r>
           </a:p>
           <a:p>
@@ -6492,7 +6576,7 @@
                 </a:solidFill>
                 <a:latin typeface="Tabarra Sans"/>
               </a:rPr>
-              <a:t>MAE: 635.4310389267673</a:t>
+              <a:t>MAE: 375.9676846420453</a:t>
             </a:r>
           </a:p>
         </p:txBody>
@@ -6568,7 +6652,7 @@
                 </a:solidFill>
                 <a:latin typeface="Tabarra Sans"/>
               </a:rPr>
-              <a:t>RMSE: 797.1945142898319 </a:t>
+              <a:t>RMSE: 2852.154112819204 </a:t>
             </a:r>
           </a:p>
           <a:p>
@@ -6584,7 +6668,7 @@
                 </a:solidFill>
                 <a:latin typeface="Tabarra Sans"/>
               </a:rPr>
-              <a:t>MSE: 635519.093613801 </a:t>
+              <a:t>MSE: 8134783.083271499 </a:t>
             </a:r>
           </a:p>
           <a:p>
@@ -6600,7 +6684,7 @@
                 </a:solidFill>
                 <a:latin typeface="Tabarra Sans"/>
               </a:rPr>
-              <a:t>MAE: 635.4310389267673</a:t>
+              <a:t>MAE: 2360.550031116</a:t>
             </a:r>
           </a:p>
         </p:txBody>
@@ -8157,7 +8241,25 @@
                 </a:solidFill>
                 <a:latin typeface="Tabarra Sans"/>
               </a:rPr>
-              <a:t> adalah proses analisis pada time series data menggunakan statistika dan modeling untuk membuat sebuah prediksi dalam membantu pengambilan keputusan secara strategis.</a:t>
+              <a:t> adalah proses analisis pada time series data menggunakan statistika dan </a:t>
+            </a:r>
+            <a:r>
+              <a:rPr lang="en-US" sz="3199" spc="-95">
+                <a:solidFill>
+                  <a:srgbClr val="F7FDF2"/>
+                </a:solidFill>
+                <a:latin typeface="Tabarra Sans Italics"/>
+              </a:rPr>
+              <a:t>modeling</a:t>
+            </a:r>
+            <a:r>
+              <a:rPr lang="en-US" sz="3199" spc="-95">
+                <a:solidFill>
+                  <a:srgbClr val="F7FDF2"/>
+                </a:solidFill>
+                <a:latin typeface="Tabarra Sans"/>
+              </a:rPr>
+              <a:t> untuk membuat sebuah prediksi dalam membantu pengambilan keputusan secara strategis.</a:t>
             </a:r>
           </a:p>
         </p:txBody>
